--- a/Abstract classes.pptx
+++ b/Abstract classes.pptx
@@ -4,14 +4,16 @@
   <p:sldMasterIdLst>
     <p:sldMasterId id="2147483672" r:id="rId1"/>
   </p:sldMasterIdLst>
+  <p:notesMasterIdLst>
+    <p:notesMasterId r:id="rId8"/>
+  </p:notesMasterIdLst>
   <p:sldIdLst>
     <p:sldId id="256" r:id="rId2"/>
-    <p:sldId id="257" r:id="rId3"/>
-    <p:sldId id="258" r:id="rId4"/>
-    <p:sldId id="259" r:id="rId5"/>
-    <p:sldId id="260" r:id="rId6"/>
-    <p:sldId id="261" r:id="rId7"/>
-    <p:sldId id="262" r:id="rId8"/>
+    <p:sldId id="263" r:id="rId3"/>
+    <p:sldId id="257" r:id="rId4"/>
+    <p:sldId id="264" r:id="rId5"/>
+    <p:sldId id="266" r:id="rId6"/>
+    <p:sldId id="265" r:id="rId7"/>
   </p:sldIdLst>
   <p:sldSz cx="9144000" cy="6858000" type="screen4x3"/>
   <p:notesSz cx="6858000" cy="9144000"/>
@@ -113,6 +115,434 @@
 </p:presentation>
 </file>
 
+<file path=ppt/notesMasters/notesMaster1.xml><?xml version="1.0" encoding="utf-8"?>
+<p:notesMaster xmlns:a="http://schemas.openxmlformats.org/drawingml/2006/main" xmlns:r="http://schemas.openxmlformats.org/officeDocument/2006/relationships" xmlns:p="http://schemas.openxmlformats.org/presentationml/2006/main">
+  <p:cSld>
+    <p:bg>
+      <p:bgRef idx="1001">
+        <a:schemeClr val="bg1"/>
+      </p:bgRef>
+    </p:bg>
+    <p:spTree>
+      <p:nvGrpSpPr>
+        <p:cNvPr id="1" name=""/>
+        <p:cNvGrpSpPr/>
+        <p:nvPr/>
+      </p:nvGrpSpPr>
+      <p:grpSpPr>
+        <a:xfrm>
+          <a:off x="0" y="0"/>
+          <a:ext cx="0" cy="0"/>
+          <a:chOff x="0" y="0"/>
+          <a:chExt cx="0" cy="0"/>
+        </a:xfrm>
+      </p:grpSpPr>
+      <p:sp>
+        <p:nvSpPr>
+          <p:cNvPr id="2" name="Header Placeholder 1"/>
+          <p:cNvSpPr>
+            <a:spLocks noGrp="1"/>
+          </p:cNvSpPr>
+          <p:nvPr>
+            <p:ph type="hdr" sz="quarter"/>
+          </p:nvPr>
+        </p:nvSpPr>
+        <p:spPr>
+          <a:xfrm>
+            <a:off x="0" y="0"/>
+            <a:ext cx="2971800" cy="457200"/>
+          </a:xfrm>
+          <a:prstGeom prst="rect">
+            <a:avLst/>
+          </a:prstGeom>
+        </p:spPr>
+        <p:txBody>
+          <a:bodyPr vert="horz" lIns="91440" tIns="45720" rIns="91440" bIns="45720" rtlCol="0"/>
+          <a:lstStyle>
+            <a:lvl1pPr algn="l">
+              <a:defRPr sz="1200"/>
+            </a:lvl1pPr>
+          </a:lstStyle>
+          <a:p>
+            <a:endParaRPr lang="en-US"/>
+          </a:p>
+        </p:txBody>
+      </p:sp>
+      <p:sp>
+        <p:nvSpPr>
+          <p:cNvPr id="3" name="Date Placeholder 2"/>
+          <p:cNvSpPr>
+            <a:spLocks noGrp="1"/>
+          </p:cNvSpPr>
+          <p:nvPr>
+            <p:ph type="dt" idx="1"/>
+          </p:nvPr>
+        </p:nvSpPr>
+        <p:spPr>
+          <a:xfrm>
+            <a:off x="3884613" y="0"/>
+            <a:ext cx="2971800" cy="457200"/>
+          </a:xfrm>
+          <a:prstGeom prst="rect">
+            <a:avLst/>
+          </a:prstGeom>
+        </p:spPr>
+        <p:txBody>
+          <a:bodyPr vert="horz" lIns="91440" tIns="45720" rIns="91440" bIns="45720" rtlCol="0"/>
+          <a:lstStyle>
+            <a:lvl1pPr algn="r">
+              <a:defRPr sz="1200"/>
+            </a:lvl1pPr>
+          </a:lstStyle>
+          <a:p>
+            <a:fld id="{60D22770-7F74-44E8-893F-7BCC31905D4B}" type="datetimeFigureOut">
+              <a:rPr lang="en-US" smtClean="0"/>
+              <a:t>5/3/2017</a:t>
+            </a:fld>
+            <a:endParaRPr lang="en-US"/>
+          </a:p>
+        </p:txBody>
+      </p:sp>
+      <p:sp>
+        <p:nvSpPr>
+          <p:cNvPr id="4" name="Slide Image Placeholder 3"/>
+          <p:cNvSpPr>
+            <a:spLocks noGrp="1" noRot="1" noChangeAspect="1"/>
+          </p:cNvSpPr>
+          <p:nvPr>
+            <p:ph type="sldImg" idx="2"/>
+          </p:nvPr>
+        </p:nvSpPr>
+        <p:spPr>
+          <a:xfrm>
+            <a:off x="1143000" y="685800"/>
+            <a:ext cx="4572000" cy="3429000"/>
+          </a:xfrm>
+          <a:prstGeom prst="rect">
+            <a:avLst/>
+          </a:prstGeom>
+          <a:noFill/>
+          <a:ln w="12700">
+            <a:solidFill>
+              <a:prstClr val="black"/>
+            </a:solidFill>
+          </a:ln>
+        </p:spPr>
+        <p:txBody>
+          <a:bodyPr vert="horz" lIns="91440" tIns="45720" rIns="91440" bIns="45720" rtlCol="0" anchor="ctr"/>
+          <a:lstStyle/>
+          <a:p>
+            <a:endParaRPr lang="en-US"/>
+          </a:p>
+        </p:txBody>
+      </p:sp>
+      <p:sp>
+        <p:nvSpPr>
+          <p:cNvPr id="5" name="Notes Placeholder 4"/>
+          <p:cNvSpPr>
+            <a:spLocks noGrp="1"/>
+          </p:cNvSpPr>
+          <p:nvPr>
+            <p:ph type="body" sz="quarter" idx="3"/>
+          </p:nvPr>
+        </p:nvSpPr>
+        <p:spPr>
+          <a:xfrm>
+            <a:off x="685800" y="4343400"/>
+            <a:ext cx="5486400" cy="4114800"/>
+          </a:xfrm>
+          <a:prstGeom prst="rect">
+            <a:avLst/>
+          </a:prstGeom>
+        </p:spPr>
+        <p:txBody>
+          <a:bodyPr vert="horz" lIns="91440" tIns="45720" rIns="91440" bIns="45720" rtlCol="0">
+            <a:normAutofit/>
+          </a:bodyPr>
+          <a:lstStyle/>
+          <a:p>
+            <a:pPr lvl="0"/>
+            <a:r>
+              <a:rPr lang="en-US" smtClean="0"/>
+              <a:t>Click to edit Master text styles</a:t>
+            </a:r>
+          </a:p>
+          <a:p>
+            <a:pPr lvl="1"/>
+            <a:r>
+              <a:rPr lang="en-US" smtClean="0"/>
+              <a:t>Second level</a:t>
+            </a:r>
+          </a:p>
+          <a:p>
+            <a:pPr lvl="2"/>
+            <a:r>
+              <a:rPr lang="en-US" smtClean="0"/>
+              <a:t>Third level</a:t>
+            </a:r>
+          </a:p>
+          <a:p>
+            <a:pPr lvl="3"/>
+            <a:r>
+              <a:rPr lang="en-US" smtClean="0"/>
+              <a:t>Fourth level</a:t>
+            </a:r>
+          </a:p>
+          <a:p>
+            <a:pPr lvl="4"/>
+            <a:r>
+              <a:rPr lang="en-US" smtClean="0"/>
+              <a:t>Fifth level</a:t>
+            </a:r>
+            <a:endParaRPr lang="en-US"/>
+          </a:p>
+        </p:txBody>
+      </p:sp>
+      <p:sp>
+        <p:nvSpPr>
+          <p:cNvPr id="6" name="Footer Placeholder 5"/>
+          <p:cNvSpPr>
+            <a:spLocks noGrp="1"/>
+          </p:cNvSpPr>
+          <p:nvPr>
+            <p:ph type="ftr" sz="quarter" idx="4"/>
+          </p:nvPr>
+        </p:nvSpPr>
+        <p:spPr>
+          <a:xfrm>
+            <a:off x="0" y="8685213"/>
+            <a:ext cx="2971800" cy="457200"/>
+          </a:xfrm>
+          <a:prstGeom prst="rect">
+            <a:avLst/>
+          </a:prstGeom>
+        </p:spPr>
+        <p:txBody>
+          <a:bodyPr vert="horz" lIns="91440" tIns="45720" rIns="91440" bIns="45720" rtlCol="0" anchor="b"/>
+          <a:lstStyle>
+            <a:lvl1pPr algn="l">
+              <a:defRPr sz="1200"/>
+            </a:lvl1pPr>
+          </a:lstStyle>
+          <a:p>
+            <a:endParaRPr lang="en-US"/>
+          </a:p>
+        </p:txBody>
+      </p:sp>
+      <p:sp>
+        <p:nvSpPr>
+          <p:cNvPr id="7" name="Slide Number Placeholder 6"/>
+          <p:cNvSpPr>
+            <a:spLocks noGrp="1"/>
+          </p:cNvSpPr>
+          <p:nvPr>
+            <p:ph type="sldNum" sz="quarter" idx="5"/>
+          </p:nvPr>
+        </p:nvSpPr>
+        <p:spPr>
+          <a:xfrm>
+            <a:off x="3884613" y="8685213"/>
+            <a:ext cx="2971800" cy="457200"/>
+          </a:xfrm>
+          <a:prstGeom prst="rect">
+            <a:avLst/>
+          </a:prstGeom>
+        </p:spPr>
+        <p:txBody>
+          <a:bodyPr vert="horz" lIns="91440" tIns="45720" rIns="91440" bIns="45720" rtlCol="0" anchor="b"/>
+          <a:lstStyle>
+            <a:lvl1pPr algn="r">
+              <a:defRPr sz="1200"/>
+            </a:lvl1pPr>
+          </a:lstStyle>
+          <a:p>
+            <a:fld id="{13117417-1114-472F-A8D9-C92EC63A6AE9}" type="slidenum">
+              <a:rPr lang="en-US" smtClean="0"/>
+              <a:t>‹#›</a:t>
+            </a:fld>
+            <a:endParaRPr lang="en-US"/>
+          </a:p>
+        </p:txBody>
+      </p:sp>
+    </p:spTree>
+  </p:cSld>
+  <p:clrMap bg1="lt1" tx1="dk1" bg2="lt2" tx2="dk2" accent1="accent1" accent2="accent2" accent3="accent3" accent4="accent4" accent5="accent5" accent6="accent6" hlink="hlink" folHlink="folHlink"/>
+  <p:notesStyle>
+    <a:lvl1pPr marL="0" algn="l" defTabSz="914400" rtl="0" eaLnBrk="1" latinLnBrk="0" hangingPunct="1">
+      <a:defRPr sz="1200" kern="1200">
+        <a:solidFill>
+          <a:schemeClr val="tx1"/>
+        </a:solidFill>
+        <a:latin typeface="+mn-lt"/>
+        <a:ea typeface="+mn-ea"/>
+        <a:cs typeface="+mn-cs"/>
+      </a:defRPr>
+    </a:lvl1pPr>
+    <a:lvl2pPr marL="457200" algn="l" defTabSz="914400" rtl="0" eaLnBrk="1" latinLnBrk="0" hangingPunct="1">
+      <a:defRPr sz="1200" kern="1200">
+        <a:solidFill>
+          <a:schemeClr val="tx1"/>
+        </a:solidFill>
+        <a:latin typeface="+mn-lt"/>
+        <a:ea typeface="+mn-ea"/>
+        <a:cs typeface="+mn-cs"/>
+      </a:defRPr>
+    </a:lvl2pPr>
+    <a:lvl3pPr marL="914400" algn="l" defTabSz="914400" rtl="0" eaLnBrk="1" latinLnBrk="0" hangingPunct="1">
+      <a:defRPr sz="1200" kern="1200">
+        <a:solidFill>
+          <a:schemeClr val="tx1"/>
+        </a:solidFill>
+        <a:latin typeface="+mn-lt"/>
+        <a:ea typeface="+mn-ea"/>
+        <a:cs typeface="+mn-cs"/>
+      </a:defRPr>
+    </a:lvl3pPr>
+    <a:lvl4pPr marL="1371600" algn="l" defTabSz="914400" rtl="0" eaLnBrk="1" latinLnBrk="0" hangingPunct="1">
+      <a:defRPr sz="1200" kern="1200">
+        <a:solidFill>
+          <a:schemeClr val="tx1"/>
+        </a:solidFill>
+        <a:latin typeface="+mn-lt"/>
+        <a:ea typeface="+mn-ea"/>
+        <a:cs typeface="+mn-cs"/>
+      </a:defRPr>
+    </a:lvl4pPr>
+    <a:lvl5pPr marL="1828800" algn="l" defTabSz="914400" rtl="0" eaLnBrk="1" latinLnBrk="0" hangingPunct="1">
+      <a:defRPr sz="1200" kern="1200">
+        <a:solidFill>
+          <a:schemeClr val="tx1"/>
+        </a:solidFill>
+        <a:latin typeface="+mn-lt"/>
+        <a:ea typeface="+mn-ea"/>
+        <a:cs typeface="+mn-cs"/>
+      </a:defRPr>
+    </a:lvl5pPr>
+    <a:lvl6pPr marL="2286000" algn="l" defTabSz="914400" rtl="0" eaLnBrk="1" latinLnBrk="0" hangingPunct="1">
+      <a:defRPr sz="1200" kern="1200">
+        <a:solidFill>
+          <a:schemeClr val="tx1"/>
+        </a:solidFill>
+        <a:latin typeface="+mn-lt"/>
+        <a:ea typeface="+mn-ea"/>
+        <a:cs typeface="+mn-cs"/>
+      </a:defRPr>
+    </a:lvl6pPr>
+    <a:lvl7pPr marL="2743200" algn="l" defTabSz="914400" rtl="0" eaLnBrk="1" latinLnBrk="0" hangingPunct="1">
+      <a:defRPr sz="1200" kern="1200">
+        <a:solidFill>
+          <a:schemeClr val="tx1"/>
+        </a:solidFill>
+        <a:latin typeface="+mn-lt"/>
+        <a:ea typeface="+mn-ea"/>
+        <a:cs typeface="+mn-cs"/>
+      </a:defRPr>
+    </a:lvl7pPr>
+    <a:lvl8pPr marL="3200400" algn="l" defTabSz="914400" rtl="0" eaLnBrk="1" latinLnBrk="0" hangingPunct="1">
+      <a:defRPr sz="1200" kern="1200">
+        <a:solidFill>
+          <a:schemeClr val="tx1"/>
+        </a:solidFill>
+        <a:latin typeface="+mn-lt"/>
+        <a:ea typeface="+mn-ea"/>
+        <a:cs typeface="+mn-cs"/>
+      </a:defRPr>
+    </a:lvl8pPr>
+    <a:lvl9pPr marL="3657600" algn="l" defTabSz="914400" rtl="0" eaLnBrk="1" latinLnBrk="0" hangingPunct="1">
+      <a:defRPr sz="1200" kern="1200">
+        <a:solidFill>
+          <a:schemeClr val="tx1"/>
+        </a:solidFill>
+        <a:latin typeface="+mn-lt"/>
+        <a:ea typeface="+mn-ea"/>
+        <a:cs typeface="+mn-cs"/>
+      </a:defRPr>
+    </a:lvl9pPr>
+  </p:notesStyle>
+</p:notesMaster>
+</file>
+
+<file path=ppt/notesSlides/notesSlide1.xml><?xml version="1.0" encoding="utf-8"?>
+<p:notes xmlns:a="http://schemas.openxmlformats.org/drawingml/2006/main" xmlns:r="http://schemas.openxmlformats.org/officeDocument/2006/relationships" xmlns:p="http://schemas.openxmlformats.org/presentationml/2006/main">
+  <p:cSld>
+    <p:spTree>
+      <p:nvGrpSpPr>
+        <p:cNvPr id="1" name=""/>
+        <p:cNvGrpSpPr/>
+        <p:nvPr/>
+      </p:nvGrpSpPr>
+      <p:grpSpPr>
+        <a:xfrm>
+          <a:off x="0" y="0"/>
+          <a:ext cx="0" cy="0"/>
+          <a:chOff x="0" y="0"/>
+          <a:chExt cx="0" cy="0"/>
+        </a:xfrm>
+      </p:grpSpPr>
+      <p:sp>
+        <p:nvSpPr>
+          <p:cNvPr id="2" name="Slide Image Placeholder 1"/>
+          <p:cNvSpPr>
+            <a:spLocks noGrp="1" noRot="1" noChangeAspect="1"/>
+          </p:cNvSpPr>
+          <p:nvPr>
+            <p:ph type="sldImg"/>
+          </p:nvPr>
+        </p:nvSpPr>
+        <p:spPr/>
+      </p:sp>
+      <p:sp>
+        <p:nvSpPr>
+          <p:cNvPr id="3" name="Notes Placeholder 2"/>
+          <p:cNvSpPr>
+            <a:spLocks noGrp="1"/>
+          </p:cNvSpPr>
+          <p:nvPr>
+            <p:ph type="body" idx="1"/>
+          </p:nvPr>
+        </p:nvSpPr>
+        <p:spPr/>
+        <p:txBody>
+          <a:bodyPr>
+            <a:normAutofit/>
+          </a:bodyPr>
+          <a:lstStyle/>
+          <a:p>
+            <a:endParaRPr lang="en-US" dirty="0"/>
+          </a:p>
+        </p:txBody>
+      </p:sp>
+      <p:sp>
+        <p:nvSpPr>
+          <p:cNvPr id="4" name="Slide Number Placeholder 3"/>
+          <p:cNvSpPr>
+            <a:spLocks noGrp="1"/>
+          </p:cNvSpPr>
+          <p:nvPr>
+            <p:ph type="sldNum" sz="quarter" idx="10"/>
+          </p:nvPr>
+        </p:nvSpPr>
+        <p:spPr/>
+        <p:txBody>
+          <a:bodyPr/>
+          <a:lstStyle/>
+          <a:p>
+            <a:fld id="{13117417-1114-472F-A8D9-C92EC63A6AE9}" type="slidenum">
+              <a:rPr lang="en-US" smtClean="0"/>
+              <a:t>5</a:t>
+            </a:fld>
+            <a:endParaRPr lang="en-US"/>
+          </a:p>
+        </p:txBody>
+      </p:sp>
+    </p:spTree>
+  </p:cSld>
+  <p:clrMapOvr>
+    <a:masterClrMapping/>
+  </p:clrMapOvr>
+</p:notes>
+</file>
+
 <file path=ppt/slideLayouts/slideLayout1.xml><?xml version="1.0" encoding="utf-8"?>
 <p:sldLayout xmlns:a="http://schemas.openxmlformats.org/drawingml/2006/main" xmlns:r="http://schemas.openxmlformats.org/officeDocument/2006/relationships" xmlns:p="http://schemas.openxmlformats.org/presentationml/2006/main" type="title" preserve="1">
   <p:cSld name="Title Slide">
@@ -247,7 +677,8 @@
           <a:p>
             <a:fld id="{B3D2D102-B445-435D-9DA9-0645CEFE975E}" type="datetimeFigureOut">
               <a:rPr lang="en-US" smtClean="0"/>
-              <a:t>4/30/2017</a:t>
+              <a:pPr/>
+              <a:t>5/3/2017</a:t>
             </a:fld>
             <a:endParaRPr lang="en-US"/>
           </a:p>
@@ -293,6 +724,7 @@
           <a:p>
             <a:fld id="{7B89717E-83B0-4C60-9804-5B885AA86724}" type="slidenum">
               <a:rPr lang="en-US" smtClean="0"/>
+              <a:pPr/>
               <a:t>‹#›</a:t>
             </a:fld>
             <a:endParaRPr lang="en-US"/>
@@ -560,7 +992,8 @@
           <a:p>
             <a:fld id="{B3D2D102-B445-435D-9DA9-0645CEFE975E}" type="datetimeFigureOut">
               <a:rPr lang="en-US" smtClean="0"/>
-              <a:t>4/30/2017</a:t>
+              <a:pPr/>
+              <a:t>5/3/2017</a:t>
             </a:fld>
             <a:endParaRPr lang="en-US"/>
           </a:p>
@@ -606,6 +1039,7 @@
           <a:p>
             <a:fld id="{7B89717E-83B0-4C60-9804-5B885AA86724}" type="slidenum">
               <a:rPr lang="en-US" smtClean="0"/>
+              <a:pPr/>
               <a:t>‹#›</a:t>
             </a:fld>
             <a:endParaRPr lang="en-US"/>
@@ -745,7 +1179,8 @@
           <a:p>
             <a:fld id="{B3D2D102-B445-435D-9DA9-0645CEFE975E}" type="datetimeFigureOut">
               <a:rPr lang="en-US" smtClean="0"/>
-              <a:t>4/30/2017</a:t>
+              <a:pPr/>
+              <a:t>5/3/2017</a:t>
             </a:fld>
             <a:endParaRPr lang="en-US"/>
           </a:p>
@@ -791,6 +1226,7 @@
           <a:p>
             <a:fld id="{7B89717E-83B0-4C60-9804-5B885AA86724}" type="slidenum">
               <a:rPr lang="en-US" smtClean="0"/>
+              <a:pPr/>
               <a:t>‹#›</a:t>
             </a:fld>
             <a:endParaRPr lang="en-US"/>
@@ -920,7 +1356,8 @@
           <a:p>
             <a:fld id="{B3D2D102-B445-435D-9DA9-0645CEFE975E}" type="datetimeFigureOut">
               <a:rPr lang="en-US" smtClean="0"/>
-              <a:t>4/30/2017</a:t>
+              <a:pPr/>
+              <a:t>5/3/2017</a:t>
             </a:fld>
             <a:endParaRPr lang="en-US"/>
           </a:p>
@@ -966,6 +1403,7 @@
           <a:p>
             <a:fld id="{7B89717E-83B0-4C60-9804-5B885AA86724}" type="slidenum">
               <a:rPr lang="en-US" smtClean="0"/>
+              <a:pPr/>
               <a:t>‹#›</a:t>
             </a:fld>
             <a:endParaRPr lang="en-US"/>
@@ -1188,7 +1626,8 @@
           <a:p>
             <a:fld id="{B3D2D102-B445-435D-9DA9-0645CEFE975E}" type="datetimeFigureOut">
               <a:rPr lang="en-US" smtClean="0"/>
-              <a:t>4/30/2017</a:t>
+              <a:pPr/>
+              <a:t>5/3/2017</a:t>
             </a:fld>
             <a:endParaRPr lang="en-US"/>
           </a:p>
@@ -1234,6 +1673,7 @@
           <a:p>
             <a:fld id="{7B89717E-83B0-4C60-9804-5B885AA86724}" type="slidenum">
               <a:rPr lang="en-US" smtClean="0"/>
+              <a:pPr/>
               <a:t>‹#›</a:t>
             </a:fld>
             <a:endParaRPr lang="en-US"/>
@@ -1656,7 +2096,8 @@
           <a:p>
             <a:fld id="{B3D2D102-B445-435D-9DA9-0645CEFE975E}" type="datetimeFigureOut">
               <a:rPr lang="en-US" smtClean="0"/>
-              <a:t>4/30/2017</a:t>
+              <a:pPr/>
+              <a:t>5/3/2017</a:t>
             </a:fld>
             <a:endParaRPr lang="en-US"/>
           </a:p>
@@ -1702,6 +2143,7 @@
           <a:p>
             <a:fld id="{7B89717E-83B0-4C60-9804-5B885AA86724}" type="slidenum">
               <a:rPr lang="en-US" smtClean="0"/>
+              <a:pPr/>
               <a:t>‹#›</a:t>
             </a:fld>
             <a:endParaRPr lang="en-US"/>
@@ -2145,7 +2587,8 @@
           <a:p>
             <a:fld id="{B3D2D102-B445-435D-9DA9-0645CEFE975E}" type="datetimeFigureOut">
               <a:rPr lang="en-US" smtClean="0"/>
-              <a:t>4/30/2017</a:t>
+              <a:pPr/>
+              <a:t>5/3/2017</a:t>
             </a:fld>
             <a:endParaRPr lang="en-US"/>
           </a:p>
@@ -2191,6 +2634,7 @@
           <a:p>
             <a:fld id="{7B89717E-83B0-4C60-9804-5B885AA86724}" type="slidenum">
               <a:rPr lang="en-US" smtClean="0"/>
+              <a:pPr/>
               <a:t>‹#›</a:t>
             </a:fld>
             <a:endParaRPr lang="en-US"/>
@@ -2271,7 +2715,8 @@
           <a:p>
             <a:fld id="{B3D2D102-B445-435D-9DA9-0645CEFE975E}" type="datetimeFigureOut">
               <a:rPr lang="en-US" smtClean="0"/>
-              <a:t>4/30/2017</a:t>
+              <a:pPr/>
+              <a:t>5/3/2017</a:t>
             </a:fld>
             <a:endParaRPr lang="en-US"/>
           </a:p>
@@ -2317,6 +2762,7 @@
           <a:p>
             <a:fld id="{7B89717E-83B0-4C60-9804-5B885AA86724}" type="slidenum">
               <a:rPr lang="en-US" smtClean="0"/>
+              <a:pPr/>
               <a:t>‹#›</a:t>
             </a:fld>
             <a:endParaRPr lang="en-US"/>
@@ -2415,7 +2861,8 @@
           <a:p>
             <a:fld id="{B3D2D102-B445-435D-9DA9-0645CEFE975E}" type="datetimeFigureOut">
               <a:rPr lang="en-US" smtClean="0"/>
-              <a:t>4/30/2017</a:t>
+              <a:pPr/>
+              <a:t>5/3/2017</a:t>
             </a:fld>
             <a:endParaRPr lang="en-US"/>
           </a:p>
@@ -2461,6 +2908,7 @@
           <a:p>
             <a:fld id="{7B89717E-83B0-4C60-9804-5B885AA86724}" type="slidenum">
               <a:rPr lang="en-US" smtClean="0"/>
+              <a:pPr/>
               <a:t>‹#›</a:t>
             </a:fld>
             <a:endParaRPr lang="en-US"/>
@@ -2737,7 +3185,8 @@
           <a:p>
             <a:fld id="{B3D2D102-B445-435D-9DA9-0645CEFE975E}" type="datetimeFigureOut">
               <a:rPr lang="en-US" smtClean="0"/>
-              <a:t>4/30/2017</a:t>
+              <a:pPr/>
+              <a:t>5/3/2017</a:t>
             </a:fld>
             <a:endParaRPr lang="en-US"/>
           </a:p>
@@ -2783,6 +3232,7 @@
           <a:p>
             <a:fld id="{7B89717E-83B0-4C60-9804-5B885AA86724}" type="slidenum">
               <a:rPr lang="en-US" smtClean="0"/>
+              <a:pPr/>
               <a:t>‹#›</a:t>
             </a:fld>
             <a:endParaRPr lang="en-US"/>
@@ -2871,7 +3321,8 @@
           <a:p>
             <a:fld id="{B3D2D102-B445-435D-9DA9-0645CEFE975E}" type="datetimeFigureOut">
               <a:rPr lang="en-US" smtClean="0"/>
-              <a:t>4/30/2017</a:t>
+              <a:pPr/>
+              <a:t>5/3/2017</a:t>
             </a:fld>
             <a:endParaRPr lang="en-US"/>
           </a:p>
@@ -2917,6 +3368,7 @@
           <a:p>
             <a:fld id="{7B89717E-83B0-4C60-9804-5B885AA86724}" type="slidenum">
               <a:rPr lang="en-US" smtClean="0"/>
+              <a:pPr/>
               <a:t>‹#›</a:t>
             </a:fld>
             <a:endParaRPr lang="en-US"/>
@@ -3652,7 +4104,8 @@
           <a:p>
             <a:fld id="{B3D2D102-B445-435D-9DA9-0645CEFE975E}" type="datetimeFigureOut">
               <a:rPr lang="en-US" smtClean="0"/>
-              <a:t>4/30/2017</a:t>
+              <a:pPr/>
+              <a:t>5/3/2017</a:t>
             </a:fld>
             <a:endParaRPr lang="en-US"/>
           </a:p>
@@ -3736,6 +4189,7 @@
           <a:p>
             <a:fld id="{7B89717E-83B0-4C60-9804-5B885AA86724}" type="slidenum">
               <a:rPr lang="en-US" smtClean="0"/>
+              <a:pPr/>
               <a:t>‹#›</a:t>
             </a:fld>
             <a:endParaRPr lang="en-US"/>
@@ -4282,7 +4736,7 @@
           <a:p>
             <a:r>
               <a:rPr lang="en-US" dirty="0" smtClean="0"/>
-              <a:t>Example of abstract class</a:t>
+              <a:t>Rules for abstract class</a:t>
             </a:r>
             <a:endParaRPr lang="en-US" dirty="0"/>
           </a:p>
@@ -4300,176 +4754,28 @@
         </p:nvSpPr>
         <p:spPr/>
         <p:txBody>
-          <a:bodyPr>
-            <a:normAutofit/>
-          </a:bodyPr>
+          <a:bodyPr/>
           <a:lstStyle/>
           <a:p>
             <a:r>
-              <a:rPr lang="en-US" sz="2200" b="1" dirty="0" smtClean="0"/>
-              <a:t>abstract</a:t>
-            </a:r>
-            <a:r>
-              <a:rPr lang="en-US" sz="2200" dirty="0" smtClean="0"/>
-              <a:t> </a:t>
-            </a:r>
-            <a:r>
-              <a:rPr lang="en-US" sz="2200" b="1" dirty="0" smtClean="0"/>
-              <a:t>class</a:t>
-            </a:r>
-            <a:r>
-              <a:rPr lang="en-US" sz="2200" dirty="0" smtClean="0"/>
-              <a:t> Bike{  </a:t>
-            </a:r>
-          </a:p>
-          <a:p>
-            <a:r>
-              <a:rPr lang="en-US" sz="2200" dirty="0" smtClean="0"/>
-              <a:t>  </a:t>
-            </a:r>
-            <a:r>
-              <a:rPr lang="en-US" sz="2200" b="1" dirty="0" smtClean="0"/>
-              <a:t>abstract</a:t>
-            </a:r>
-            <a:r>
-              <a:rPr lang="en-US" sz="2200" dirty="0" smtClean="0"/>
-              <a:t> </a:t>
-            </a:r>
-            <a:r>
-              <a:rPr lang="en-US" sz="2200" b="1" dirty="0" smtClean="0"/>
-              <a:t>void</a:t>
-            </a:r>
-            <a:r>
-              <a:rPr lang="en-US" sz="2200" dirty="0" smtClean="0"/>
-              <a:t> run();  </a:t>
-            </a:r>
-          </a:p>
-          <a:p>
-            <a:r>
-              <a:rPr lang="en-US" sz="2200" dirty="0" smtClean="0"/>
-              <a:t>}  </a:t>
-            </a:r>
-          </a:p>
-          <a:p>
-            <a:r>
-              <a:rPr lang="en-US" sz="2200" b="1" dirty="0" smtClean="0"/>
-              <a:t>class</a:t>
-            </a:r>
-            <a:r>
-              <a:rPr lang="en-US" sz="2200" dirty="0" smtClean="0"/>
-              <a:t> Honda4 </a:t>
-            </a:r>
-            <a:r>
-              <a:rPr lang="en-US" sz="2200" b="1" dirty="0" smtClean="0"/>
-              <a:t>extends</a:t>
-            </a:r>
-            <a:r>
-              <a:rPr lang="en-US" sz="2200" dirty="0" smtClean="0"/>
-              <a:t> Bike{  </a:t>
-            </a:r>
-          </a:p>
-          <a:p>
-            <a:r>
-              <a:rPr lang="en-US" sz="2200" b="1" dirty="0" smtClean="0"/>
-              <a:t>void</a:t>
-            </a:r>
-            <a:r>
-              <a:rPr lang="en-US" sz="2200" dirty="0" smtClean="0"/>
-              <a:t> run(){</a:t>
-            </a:r>
-            <a:r>
-              <a:rPr lang="en-US" sz="2200" dirty="0" err="1" smtClean="0"/>
-              <a:t>System.out.println</a:t>
-            </a:r>
-            <a:r>
-              <a:rPr lang="en-US" sz="2200" dirty="0" smtClean="0"/>
-              <a:t>("running safely..");}  </a:t>
-            </a:r>
-          </a:p>
-          <a:p>
-            <a:r>
-              <a:rPr lang="en-US" sz="2200" b="1" dirty="0" smtClean="0"/>
-              <a:t>public</a:t>
-            </a:r>
-            <a:r>
-              <a:rPr lang="en-US" sz="2200" dirty="0" smtClean="0"/>
-              <a:t> </a:t>
-            </a:r>
-            <a:r>
-              <a:rPr lang="en-US" sz="2200" b="1" dirty="0" smtClean="0"/>
-              <a:t>static</a:t>
-            </a:r>
-            <a:r>
-              <a:rPr lang="en-US" sz="2200" dirty="0" smtClean="0"/>
-              <a:t> </a:t>
-            </a:r>
-            <a:r>
-              <a:rPr lang="en-US" sz="2200" b="1" dirty="0" smtClean="0"/>
-              <a:t>void</a:t>
-            </a:r>
-            <a:r>
-              <a:rPr lang="en-US" sz="2200" dirty="0" smtClean="0"/>
-              <a:t> main(String </a:t>
-            </a:r>
-            <a:r>
-              <a:rPr lang="en-US" sz="2200" dirty="0" err="1" smtClean="0"/>
-              <a:t>args</a:t>
-            </a:r>
-            <a:r>
-              <a:rPr lang="en-US" sz="2200" dirty="0" smtClean="0"/>
-              <a:t>[]){  </a:t>
-            </a:r>
-          </a:p>
-          <a:p>
-            <a:r>
-              <a:rPr lang="en-US" sz="2200" dirty="0" smtClean="0"/>
-              <a:t> Bike </a:t>
-            </a:r>
-            <a:r>
-              <a:rPr lang="en-US" sz="2200" dirty="0" err="1" smtClean="0"/>
-              <a:t>obj</a:t>
-            </a:r>
-            <a:r>
-              <a:rPr lang="en-US" sz="2200" dirty="0" smtClean="0"/>
-              <a:t> = </a:t>
-            </a:r>
-            <a:r>
-              <a:rPr lang="en-US" sz="2200" b="1" dirty="0" smtClean="0"/>
-              <a:t>new</a:t>
-            </a:r>
-            <a:r>
-              <a:rPr lang="en-US" sz="2200" dirty="0" smtClean="0"/>
-              <a:t> Honda4();  </a:t>
-            </a:r>
-          </a:p>
-          <a:p>
-            <a:r>
-              <a:rPr lang="en-US" sz="2200" dirty="0" smtClean="0"/>
-              <a:t> </a:t>
-            </a:r>
-            <a:r>
-              <a:rPr lang="en-US" sz="2200" dirty="0" err="1" smtClean="0"/>
-              <a:t>obj.run</a:t>
-            </a:r>
-            <a:r>
-              <a:rPr lang="en-US" sz="2200" dirty="0" smtClean="0"/>
-              <a:t>();  </a:t>
-            </a:r>
-          </a:p>
-          <a:p>
-            <a:r>
-              <a:rPr lang="en-US" sz="2200" dirty="0" smtClean="0"/>
-              <a:t>}  </a:t>
-            </a:r>
-          </a:p>
-          <a:p>
-            <a:r>
-              <a:rPr lang="en-US" sz="2200" dirty="0" smtClean="0"/>
-              <a:t>} </a:t>
-            </a:r>
-            <a:r>
               <a:rPr lang="en-US" dirty="0" smtClean="0"/>
-              <a:t> </a:t>
+              <a:t>Abstract method must not be defined it should be </a:t>
+            </a:r>
+            <a:r>
+              <a:rPr lang="en-US" dirty="0" smtClean="0"/>
+              <a:t>declared</a:t>
+            </a:r>
+          </a:p>
+          <a:p>
+            <a:r>
+              <a:rPr lang="en-US" dirty="0" smtClean="0"/>
+              <a:t>If at least one abstract method is present in a class then entire class becomes abstract class.</a:t>
+            </a:r>
+          </a:p>
+          <a:p>
+            <a:r>
+              <a:rPr lang="en-US" dirty="0" smtClean="0"/>
+              <a:t>Extended class must define the abstract method or else that class also become abstract class.</a:t>
             </a:r>
           </a:p>
           <a:p>
@@ -4519,7 +4825,7 @@
           <a:p>
             <a:r>
               <a:rPr lang="en-US" dirty="0" smtClean="0"/>
-              <a:t>Inheritance</a:t>
+              <a:t>Example of abstract class</a:t>
             </a:r>
             <a:endParaRPr lang="en-US" dirty="0"/>
           </a:p>
@@ -4535,71 +4841,182 @@
             <p:ph idx="1"/>
           </p:nvPr>
         </p:nvSpPr>
-        <p:spPr>
-          <a:ln>
-            <a:solidFill>
-              <a:schemeClr val="bg1"/>
-            </a:solidFill>
-          </a:ln>
-        </p:spPr>
-        <p:txBody>
-          <a:bodyPr/>
+        <p:spPr/>
+        <p:txBody>
+          <a:bodyPr>
+            <a:normAutofit/>
+          </a:bodyPr>
           <a:lstStyle/>
           <a:p>
             <a:r>
+              <a:rPr lang="en-US" sz="2200" b="1" dirty="0" smtClean="0"/>
+              <a:t>abstract</a:t>
+            </a:r>
+            <a:r>
+              <a:rPr lang="en-US" sz="2200" dirty="0" smtClean="0"/>
+              <a:t> </a:t>
+            </a:r>
+            <a:r>
+              <a:rPr lang="en-US" sz="2200" b="1" dirty="0" smtClean="0"/>
+              <a:t>class</a:t>
+            </a:r>
+            <a:r>
+              <a:rPr lang="en-US" sz="2200" dirty="0" smtClean="0"/>
+              <a:t> Bike{  </a:t>
+            </a:r>
+          </a:p>
+          <a:p>
+            <a:r>
+              <a:rPr lang="en-US" sz="2200" dirty="0" smtClean="0"/>
+              <a:t>  </a:t>
+            </a:r>
+            <a:r>
+              <a:rPr lang="en-US" sz="2200" b="1" dirty="0" smtClean="0"/>
+              <a:t>abstract</a:t>
+            </a:r>
+            <a:r>
+              <a:rPr lang="en-US" sz="2200" dirty="0" smtClean="0"/>
+              <a:t> </a:t>
+            </a:r>
+            <a:r>
+              <a:rPr lang="en-US" sz="2200" b="1" dirty="0" smtClean="0"/>
+              <a:t>void</a:t>
+            </a:r>
+            <a:r>
+              <a:rPr lang="en-US" sz="2200" dirty="0" smtClean="0"/>
+              <a:t> run();  </a:t>
+            </a:r>
+          </a:p>
+          <a:p>
+            <a:r>
+              <a:rPr lang="en-US" sz="2200" dirty="0" smtClean="0"/>
+              <a:t>}  </a:t>
+            </a:r>
+          </a:p>
+          <a:p>
+            <a:r>
+              <a:rPr lang="en-US" sz="2200" b="1" dirty="0" smtClean="0"/>
+              <a:t>class</a:t>
+            </a:r>
+            <a:r>
+              <a:rPr lang="en-US" sz="2200" dirty="0" smtClean="0"/>
+              <a:t> Honda4 </a:t>
+            </a:r>
+            <a:r>
+              <a:rPr lang="en-US" sz="2200" b="1" dirty="0" smtClean="0"/>
+              <a:t>extends</a:t>
+            </a:r>
+            <a:r>
+              <a:rPr lang="en-US" sz="2200" dirty="0" smtClean="0"/>
+              <a:t> Bike{  </a:t>
+            </a:r>
+          </a:p>
+          <a:p>
+            <a:r>
+              <a:rPr lang="en-US" sz="2200" b="1" dirty="0" smtClean="0"/>
+              <a:t>void</a:t>
+            </a:r>
+            <a:r>
+              <a:rPr lang="en-US" sz="2200" dirty="0" smtClean="0"/>
+              <a:t> run(){</a:t>
+            </a:r>
+            <a:r>
+              <a:rPr lang="en-US" sz="2200" dirty="0" err="1" smtClean="0"/>
+              <a:t>System.out.println</a:t>
+            </a:r>
+            <a:r>
+              <a:rPr lang="en-US" sz="2200" dirty="0" smtClean="0"/>
+              <a:t>("running safely..");}  </a:t>
+            </a:r>
+          </a:p>
+          <a:p>
+            <a:r>
+              <a:rPr lang="en-US" sz="2200" b="1" dirty="0" smtClean="0"/>
+              <a:t>public</a:t>
+            </a:r>
+            <a:r>
+              <a:rPr lang="en-US" sz="2200" dirty="0" smtClean="0"/>
+              <a:t> </a:t>
+            </a:r>
+            <a:r>
+              <a:rPr lang="en-US" sz="2200" b="1" dirty="0" smtClean="0"/>
+              <a:t>static</a:t>
+            </a:r>
+            <a:r>
+              <a:rPr lang="en-US" sz="2200" dirty="0" smtClean="0"/>
+              <a:t> </a:t>
+            </a:r>
+            <a:r>
+              <a:rPr lang="en-US" sz="2200" b="1" dirty="0" smtClean="0"/>
+              <a:t>void</a:t>
+            </a:r>
+            <a:r>
+              <a:rPr lang="en-US" sz="2200" dirty="0" smtClean="0"/>
+              <a:t> main(String </a:t>
+            </a:r>
+            <a:r>
+              <a:rPr lang="en-US" sz="2200" dirty="0" err="1" smtClean="0"/>
+              <a:t>args</a:t>
+            </a:r>
+            <a:r>
+              <a:rPr lang="en-US" sz="2200" dirty="0" smtClean="0"/>
+              <a:t>[]){  </a:t>
+            </a:r>
+          </a:p>
+          <a:p>
+            <a:r>
+              <a:rPr lang="en-US" sz="2200" dirty="0" smtClean="0"/>
+              <a:t> Bike </a:t>
+            </a:r>
+            <a:r>
+              <a:rPr lang="en-US" sz="2200" dirty="0" err="1" smtClean="0"/>
+              <a:t>obj</a:t>
+            </a:r>
+            <a:r>
+              <a:rPr lang="en-US" sz="2200" dirty="0" smtClean="0"/>
+              <a:t> = </a:t>
+            </a:r>
+            <a:r>
+              <a:rPr lang="en-US" sz="2200" b="1" dirty="0" smtClean="0"/>
+              <a:t>new</a:t>
+            </a:r>
+            <a:r>
+              <a:rPr lang="en-US" sz="2200" dirty="0" smtClean="0"/>
+              <a:t> Honda4();  </a:t>
+            </a:r>
+          </a:p>
+          <a:p>
+            <a:r>
+              <a:rPr lang="en-US" sz="2200" dirty="0" smtClean="0"/>
+              <a:t> </a:t>
+            </a:r>
+            <a:r>
+              <a:rPr lang="en-US" sz="2200" dirty="0" err="1" smtClean="0"/>
+              <a:t>obj.run</a:t>
+            </a:r>
+            <a:r>
+              <a:rPr lang="en-US" sz="2200" dirty="0" smtClean="0"/>
+              <a:t>();  </a:t>
+            </a:r>
+          </a:p>
+          <a:p>
+            <a:r>
+              <a:rPr lang="en-US" sz="2200" dirty="0" smtClean="0"/>
+              <a:t>}  </a:t>
+            </a:r>
+          </a:p>
+          <a:p>
+            <a:r>
+              <a:rPr lang="en-US" sz="2200" dirty="0" smtClean="0"/>
+              <a:t>} </a:t>
+            </a:r>
+            <a:r>
               <a:rPr lang="en-US" dirty="0" smtClean="0"/>
-              <a:t>It creates a new class from a existing class For the reusability.</a:t>
-            </a:r>
-          </a:p>
-          <a:p>
-            <a:r>
-              <a:rPr lang="en-US" dirty="0" smtClean="0"/>
-              <a:t>Using extends keyword the relation between two classes is possible</a:t>
-            </a:r>
-          </a:p>
-          <a:p>
-            <a:pPr>
-              <a:buNone/>
-            </a:pPr>
-            <a:r>
-              <a:rPr lang="en-US" sz="2400" dirty="0" smtClean="0"/>
-              <a:t>Ex-Class car{</a:t>
-            </a:r>
-          </a:p>
-          <a:p>
-            <a:pPr>
-              <a:buNone/>
-            </a:pPr>
-            <a:r>
-              <a:rPr lang="en-US" sz="2400" dirty="0" smtClean="0"/>
-              <a:t>      body }</a:t>
-            </a:r>
-          </a:p>
-          <a:p>
-            <a:pPr>
-              <a:buNone/>
-            </a:pPr>
-            <a:r>
-              <a:rPr lang="en-US" sz="2400" dirty="0" smtClean="0"/>
-              <a:t>Class Audi </a:t>
-            </a:r>
-            <a:r>
-              <a:rPr lang="en-US" sz="2400" i="1" dirty="0" smtClean="0"/>
-              <a:t>extends</a:t>
-            </a:r>
-            <a:r>
-              <a:rPr lang="en-US" sz="2400" dirty="0" smtClean="0"/>
-              <a:t> Car{</a:t>
-            </a:r>
-          </a:p>
-          <a:p>
-            <a:pPr>
-              <a:buNone/>
-            </a:pPr>
-            <a:r>
-              <a:rPr lang="en-US" sz="2400" dirty="0" smtClean="0"/>
-              <a:t>  body  } </a:t>
-            </a:r>
+              <a:t> </a:t>
+            </a:r>
+          </a:p>
+          <a:p>
+            <a:endParaRPr lang="en-US" dirty="0"/>
           </a:p>
         </p:txBody>
       </p:sp>
@@ -4630,7 +5047,30 @@
       </p:grpSpPr>
       <p:sp>
         <p:nvSpPr>
-          <p:cNvPr id="6" name="Content Placeholder 5"/>
+          <p:cNvPr id="2" name="Title 1"/>
+          <p:cNvSpPr>
+            <a:spLocks noGrp="1"/>
+          </p:cNvSpPr>
+          <p:nvPr>
+            <p:ph type="title"/>
+          </p:nvPr>
+        </p:nvSpPr>
+        <p:spPr/>
+        <p:txBody>
+          <a:bodyPr/>
+          <a:lstStyle/>
+          <a:p>
+            <a:r>
+              <a:rPr lang="en-US" dirty="0" smtClean="0"/>
+              <a:t>Interface </a:t>
+            </a:r>
+            <a:endParaRPr lang="en-US" dirty="0"/>
+          </a:p>
+        </p:txBody>
+      </p:sp>
+      <p:sp>
+        <p:nvSpPr>
+          <p:cNvPr id="3" name="Content Placeholder 2"/>
           <p:cNvSpPr>
             <a:spLocks noGrp="1"/>
           </p:cNvSpPr>
@@ -4638,129 +5078,42 @@
             <p:ph idx="1"/>
           </p:nvPr>
         </p:nvSpPr>
-        <p:spPr>
-          <a:xfrm>
-            <a:off x="1371600" y="228600"/>
-            <a:ext cx="7498080" cy="4800600"/>
-          </a:xfrm>
-        </p:spPr>
-        <p:txBody>
-          <a:bodyPr>
-            <a:normAutofit lnSpcReduction="10000"/>
-          </a:bodyPr>
+        <p:spPr/>
+        <p:txBody>
+          <a:bodyPr/>
           <a:lstStyle/>
           <a:p>
             <a:r>
               <a:rPr lang="en-US" dirty="0" smtClean="0"/>
-              <a:t>Member variables of super class can be called using getter and setters if private.</a:t>
-            </a:r>
-          </a:p>
-          <a:p>
-            <a:pPr>
-              <a:buNone/>
-            </a:pPr>
-            <a:r>
-              <a:rPr lang="en-US" sz="2400" dirty="0" smtClean="0"/>
-              <a:t>Ex-</a:t>
-            </a:r>
-          </a:p>
-          <a:p>
-            <a:pPr>
-              <a:buNone/>
-            </a:pPr>
-            <a:r>
-              <a:rPr lang="en-US" sz="2400" dirty="0" smtClean="0"/>
-              <a:t>Getter:</a:t>
-            </a:r>
-          </a:p>
-          <a:p>
-            <a:pPr>
-              <a:buNone/>
-            </a:pPr>
-            <a:r>
-              <a:rPr lang="en-US" sz="2400" dirty="0" smtClean="0"/>
-              <a:t>public </a:t>
-            </a:r>
-            <a:r>
-              <a:rPr lang="en-US" sz="2400" dirty="0" smtClean="0"/>
-              <a:t>String </a:t>
-            </a:r>
-            <a:r>
-              <a:rPr lang="en-US" sz="2400" dirty="0" err="1" smtClean="0"/>
-              <a:t>getFuel</a:t>
-            </a:r>
-            <a:r>
-              <a:rPr lang="en-US" sz="2400" dirty="0" smtClean="0"/>
-              <a:t>() {</a:t>
-            </a:r>
-          </a:p>
-          <a:p>
-            <a:pPr>
-              <a:buNone/>
-            </a:pPr>
-            <a:r>
-              <a:rPr lang="en-US" sz="2400" dirty="0" smtClean="0"/>
-              <a:t>return fuel;</a:t>
-            </a:r>
-          </a:p>
-          <a:p>
-            <a:pPr>
-              <a:buNone/>
-            </a:pPr>
-            <a:r>
-              <a:rPr lang="en-US" sz="2400" dirty="0" smtClean="0"/>
-              <a:t>}</a:t>
-            </a:r>
-          </a:p>
-          <a:p>
-            <a:pPr>
-              <a:buNone/>
-            </a:pPr>
-            <a:r>
-              <a:rPr lang="en-US" sz="2400" dirty="0" smtClean="0"/>
-              <a:t>Setter:</a:t>
-            </a:r>
-            <a:endParaRPr lang="en-US" sz="2400" dirty="0" smtClean="0"/>
-          </a:p>
-          <a:p>
-            <a:pPr>
-              <a:buNone/>
-            </a:pPr>
-            <a:r>
-              <a:rPr lang="en-US" sz="2400" dirty="0" smtClean="0"/>
-              <a:t>public void </a:t>
-            </a:r>
-            <a:r>
-              <a:rPr lang="en-US" sz="2400" dirty="0" err="1" smtClean="0"/>
-              <a:t>setFuel</a:t>
-            </a:r>
-            <a:r>
-              <a:rPr lang="en-US" sz="2400" dirty="0" smtClean="0"/>
-              <a:t>(String fuel) {</a:t>
-            </a:r>
-          </a:p>
-          <a:p>
-            <a:pPr>
-              <a:buNone/>
-            </a:pPr>
-            <a:r>
-              <a:rPr lang="en-US" sz="2400" dirty="0" err="1" smtClean="0"/>
-              <a:t>this.fuel</a:t>
-            </a:r>
-            <a:r>
-              <a:rPr lang="en-US" sz="2400" dirty="0" smtClean="0"/>
-              <a:t> = fuel;</a:t>
-            </a:r>
-          </a:p>
-          <a:p>
-            <a:pPr>
-              <a:buNone/>
-            </a:pPr>
-            <a:r>
-              <a:rPr lang="en-US" sz="2400" dirty="0" smtClean="0"/>
-              <a:t>}</a:t>
-            </a:r>
-            <a:endParaRPr lang="en-US" sz="2400" dirty="0"/>
+              <a:t>If in a class all the methods are abstract methods then it is called interface</a:t>
+            </a:r>
+          </a:p>
+          <a:p>
+            <a:r>
+              <a:rPr lang="en-US" dirty="0" smtClean="0"/>
+              <a:t>Java doesn’t support multiple inheritance so using interface we can do it.</a:t>
+            </a:r>
+          </a:p>
+          <a:p>
+            <a:r>
+              <a:rPr lang="en-US" dirty="0" smtClean="0"/>
+              <a:t>Interface uses implements keyword instead of extends as in classes.</a:t>
+            </a:r>
+          </a:p>
+          <a:p>
+            <a:r>
+              <a:rPr lang="en-US" dirty="0" smtClean="0"/>
+              <a:t>Interface </a:t>
+            </a:r>
+            <a:r>
+              <a:rPr lang="en-US" smtClean="0"/>
+              <a:t>can improve </a:t>
+            </a:r>
+            <a:r>
+              <a:rPr lang="en-US" dirty="0" smtClean="0"/>
+              <a:t>security of the code </a:t>
+            </a:r>
+            <a:endParaRPr lang="en-US" dirty="0"/>
           </a:p>
         </p:txBody>
       </p:sp>
@@ -4799,68 +5152,124 @@
             <p:ph type="title"/>
           </p:nvPr>
         </p:nvSpPr>
-        <p:spPr/>
-        <p:txBody>
-          <a:bodyPr>
-            <a:normAutofit fontScale="90000"/>
+        <p:spPr>
+          <a:xfrm>
+            <a:off x="1645920" y="228600"/>
+            <a:ext cx="7498080" cy="1143000"/>
+          </a:xfrm>
+        </p:spPr>
+        <p:txBody>
+          <a:bodyPr/>
+          <a:lstStyle/>
+          <a:p>
+            <a:r>
+              <a:rPr lang="en-US" dirty="0" smtClean="0"/>
+              <a:t>Relation btw classes &amp;interfaces</a:t>
+            </a:r>
+            <a:endParaRPr lang="en-US" dirty="0"/>
+          </a:p>
+        </p:txBody>
+      </p:sp>
+      <p:pic>
+        <p:nvPicPr>
+          <p:cNvPr id="4" name="Content Placeholder 3" descr="interfacerelation.jpg"/>
+          <p:cNvPicPr>
+            <a:picLocks noGrp="1" noChangeAspect="1"/>
+          </p:cNvPicPr>
+          <p:nvPr>
+            <p:ph idx="1"/>
+          </p:nvPr>
+        </p:nvPicPr>
+        <p:blipFill>
+          <a:blip r:embed="rId3"/>
+          <a:stretch>
+            <a:fillRect/>
+          </a:stretch>
+        </p:blipFill>
+        <p:spPr>
+          <a:xfrm>
+            <a:off x="1524000" y="1066800"/>
+            <a:ext cx="7620000" cy="3733800"/>
+          </a:xfrm>
+        </p:spPr>
+      </p:pic>
+      <p:sp>
+        <p:nvSpPr>
+          <p:cNvPr id="5" name="TextBox 4"/>
+          <p:cNvSpPr txBox="1"/>
+          <p:nvPr/>
+        </p:nvSpPr>
+        <p:spPr>
+          <a:xfrm>
+            <a:off x="1524000" y="3962400"/>
+            <a:ext cx="6781800" cy="2308324"/>
+          </a:xfrm>
+          <a:prstGeom prst="rect">
+            <a:avLst/>
+          </a:prstGeom>
+          <a:noFill/>
+        </p:spPr>
+        <p:txBody>
+          <a:bodyPr wrap="square" rtlCol="0">
+            <a:spAutoFit/>
           </a:bodyPr>
           <a:lstStyle/>
           <a:p>
             <a:r>
               <a:rPr lang="en-US" dirty="0" smtClean="0"/>
-              <a:t>Access </a:t>
+              <a:t> If there are multiple interfaces then to define the methods we should call the interface using implements keyword</a:t>
+            </a:r>
+          </a:p>
+          <a:p>
+            <a:r>
+              <a:rPr lang="en-US" dirty="0" smtClean="0"/>
+              <a:t>Interface B{     Void run();   }</a:t>
+            </a:r>
+          </a:p>
+          <a:p>
+            <a:r>
+              <a:rPr lang="en-US" dirty="0" smtClean="0"/>
+              <a:t>Interface C{    Void walk();   }</a:t>
+            </a:r>
+          </a:p>
+          <a:p>
+            <a:r>
+              <a:rPr lang="en-US" dirty="0" smtClean="0"/>
+              <a:t>Class A implements B,C{</a:t>
+            </a:r>
+          </a:p>
+          <a:p>
+            <a:r>
+              <a:rPr lang="en-US" dirty="0" smtClean="0"/>
+              <a:t>Void run(){</a:t>
             </a:r>
             <a:r>
               <a:rPr lang="en-US" dirty="0" err="1" smtClean="0"/>
-              <a:t>specifiers</a:t>
+              <a:t>syso</a:t>
             </a:r>
             <a:r>
               <a:rPr lang="en-US" dirty="0" smtClean="0"/>
-              <a:t> restrict the use of objects, methods and variables</a:t>
-            </a:r>
-            <a:br>
+              <a:t>(“he is running”);</a:t>
+            </a:r>
+          </a:p>
+          <a:p>
+            <a:r>
               <a:rPr lang="en-US" dirty="0" smtClean="0"/>
-            </a:br>
-            <a:endParaRPr lang="en-US" dirty="0"/>
-          </a:p>
-        </p:txBody>
-      </p:sp>
-      <p:sp>
-        <p:nvSpPr>
-          <p:cNvPr id="3" name="Content Placeholder 2"/>
-          <p:cNvSpPr>
-            <a:spLocks noGrp="1"/>
-          </p:cNvSpPr>
-          <p:nvPr>
-            <p:ph idx="1"/>
-          </p:nvPr>
-        </p:nvSpPr>
-        <p:spPr/>
-        <p:txBody>
-          <a:bodyPr/>
-          <a:lstStyle/>
-          <a:p>
+              <a:t>Void walk(){</a:t>
+            </a:r>
+            <a:r>
+              <a:rPr lang="en-US" dirty="0" err="1" smtClean="0"/>
+              <a:t>syso</a:t>
+            </a:r>
             <a:r>
               <a:rPr lang="en-US" dirty="0" smtClean="0"/>
-              <a:t>Public (can be accessed anywhere )</a:t>
+              <a:t>(“he is walking”)</a:t>
             </a:r>
           </a:p>
           <a:p>
             <a:r>
               <a:rPr lang="en-US" dirty="0" smtClean="0"/>
-              <a:t>Private(only in the class)</a:t>
-            </a:r>
-          </a:p>
-          <a:p>
-            <a:r>
-              <a:rPr lang="en-US" dirty="0" smtClean="0"/>
-              <a:t>Protected(only in package and subclasses)</a:t>
-            </a:r>
-          </a:p>
-          <a:p>
-            <a:r>
-              <a:rPr lang="en-US" dirty="0" smtClean="0"/>
-              <a:t>Default(only in that package)</a:t>
+              <a:t>}</a:t>
             </a:r>
             <a:endParaRPr lang="en-US" dirty="0"/>
           </a:p>
@@ -4908,7 +5317,7 @@
           <a:p>
             <a:r>
               <a:rPr lang="en-US" dirty="0" smtClean="0"/>
-              <a:t>Method Overriding</a:t>
+              <a:t>Examples of Interface </a:t>
             </a:r>
             <a:endParaRPr lang="en-US" dirty="0"/>
           </a:p>
@@ -4926,239 +5335,106 @@
         </p:nvSpPr>
         <p:spPr/>
         <p:txBody>
-          <a:bodyPr/>
-          <a:lstStyle/>
-          <a:p>
-            <a:r>
-              <a:rPr lang="en-US" dirty="0" smtClean="0"/>
-              <a:t>Redefining and overriding the previous created method in the subclasses is called method overriding</a:t>
-            </a:r>
-          </a:p>
-          <a:p>
-            <a:r>
-              <a:rPr lang="en-US" dirty="0" smtClean="0"/>
-              <a:t>Reduce the usage of creating new methods</a:t>
-            </a:r>
-          </a:p>
-          <a:p>
-            <a:r>
-              <a:rPr lang="en-US" dirty="0" err="1" smtClean="0"/>
-              <a:t>Ctrl+space</a:t>
-            </a:r>
-            <a:r>
-              <a:rPr lang="en-US" dirty="0" smtClean="0"/>
-              <a:t> shows the methods that can be overridden.</a:t>
-            </a:r>
-          </a:p>
-          <a:p>
-            <a:endParaRPr lang="en-US" dirty="0" smtClean="0"/>
-          </a:p>
-          <a:p>
-            <a:endParaRPr lang="en-US" dirty="0"/>
-          </a:p>
-        </p:txBody>
-      </p:sp>
-    </p:spTree>
-  </p:cSld>
-  <p:clrMapOvr>
-    <a:masterClrMapping/>
-  </p:clrMapOvr>
-</p:sld>
-</file>
-
-<file path=ppt/slides/slide7.xml><?xml version="1.0" encoding="utf-8"?>
-<p:sld xmlns:a="http://schemas.openxmlformats.org/drawingml/2006/main" xmlns:r="http://schemas.openxmlformats.org/officeDocument/2006/relationships" xmlns:p="http://schemas.openxmlformats.org/presentationml/2006/main">
-  <p:cSld>
-    <p:spTree>
-      <p:nvGrpSpPr>
-        <p:cNvPr id="1" name=""/>
-        <p:cNvGrpSpPr/>
-        <p:nvPr/>
-      </p:nvGrpSpPr>
-      <p:grpSpPr>
-        <a:xfrm>
-          <a:off x="0" y="0"/>
-          <a:ext cx="0" cy="0"/>
-          <a:chOff x="0" y="0"/>
-          <a:chExt cx="0" cy="0"/>
-        </a:xfrm>
-      </p:grpSpPr>
-      <p:sp>
-        <p:nvSpPr>
-          <p:cNvPr id="2" name="Title 1"/>
-          <p:cNvSpPr>
-            <a:spLocks noGrp="1"/>
-          </p:cNvSpPr>
-          <p:nvPr>
-            <p:ph type="title"/>
-          </p:nvPr>
-        </p:nvSpPr>
-        <p:spPr/>
-        <p:txBody>
-          <a:bodyPr/>
-          <a:lstStyle/>
-          <a:p>
-            <a:r>
-              <a:rPr lang="en-US" dirty="0" smtClean="0"/>
-              <a:t>Rules for method overriding</a:t>
-            </a:r>
-            <a:endParaRPr lang="en-US" dirty="0"/>
-          </a:p>
-        </p:txBody>
-      </p:sp>
-      <p:sp>
-        <p:nvSpPr>
-          <p:cNvPr id="3" name="Content Placeholder 2"/>
-          <p:cNvSpPr>
-            <a:spLocks noGrp="1"/>
-          </p:cNvSpPr>
-          <p:nvPr>
-            <p:ph idx="1"/>
-          </p:nvPr>
-        </p:nvSpPr>
-        <p:spPr/>
-        <p:txBody>
           <a:bodyPr>
-            <a:normAutofit fontScale="92500" lnSpcReduction="10000"/>
+            <a:normAutofit fontScale="85000" lnSpcReduction="20000"/>
           </a:bodyPr>
           <a:lstStyle/>
           <a:p>
             <a:r>
               <a:rPr lang="en-US" dirty="0" smtClean="0"/>
-              <a:t>The method name, return type and parameters must be the same </a:t>
-            </a:r>
+              <a:t>interface printable{  </a:t>
+            </a:r>
+          </a:p>
+          <a:p>
             <a:r>
               <a:rPr lang="en-US" dirty="0" smtClean="0"/>
-              <a:t>a</a:t>
-            </a:r>
+              <a:t>void print();  </a:t>
+            </a:r>
+          </a:p>
+          <a:p>
             <a:r>
               <a:rPr lang="en-US" dirty="0" smtClean="0"/>
-              <a:t>s </a:t>
+              <a:t>}  </a:t>
+            </a:r>
+          </a:p>
+          <a:p>
+            <a:r>
+              <a:rPr lang="en-US" dirty="0" smtClean="0"/>
+              <a:t>class A6 implements printable{  </a:t>
+            </a:r>
+          </a:p>
+          <a:p>
+            <a:r>
+              <a:rPr lang="en-US" dirty="0" smtClean="0"/>
+              <a:t>public void print(){</a:t>
             </a:r>
             <a:r>
               <a:rPr lang="en-US" dirty="0" err="1" smtClean="0"/>
-              <a:t>supererclass</a:t>
+              <a:t>System.out.println</a:t>
             </a:r>
             <a:r>
               <a:rPr lang="en-US" dirty="0" smtClean="0"/>
-              <a:t>.</a:t>
-            </a:r>
-          </a:p>
-          <a:p>
-            <a:pPr>
-              <a:buNone/>
-            </a:pPr>
-            <a:r>
-              <a:rPr lang="en-US" sz="2400" dirty="0" smtClean="0"/>
-              <a:t>Ex-</a:t>
-            </a:r>
-          </a:p>
-          <a:p>
-            <a:pPr>
-              <a:buNone/>
-            </a:pPr>
-            <a:r>
-              <a:rPr lang="en-US" sz="2400" dirty="0" smtClean="0"/>
-              <a:t>void </a:t>
-            </a:r>
-            <a:r>
-              <a:rPr lang="en-US" sz="2400" dirty="0" smtClean="0"/>
-              <a:t>action(){</a:t>
-            </a:r>
-          </a:p>
-          <a:p>
-            <a:pPr>
-              <a:buNone/>
-            </a:pPr>
-            <a:r>
-              <a:rPr lang="en-US" sz="2400" dirty="0" err="1" smtClean="0"/>
-              <a:t>System.</a:t>
-            </a:r>
-            <a:r>
-              <a:rPr lang="en-US" sz="2400" i="1" dirty="0" err="1" smtClean="0"/>
-              <a:t>out.println</a:t>
-            </a:r>
-            <a:r>
-              <a:rPr lang="en-US" sz="2400" i="1" dirty="0" smtClean="0"/>
-              <a:t>("</a:t>
-            </a:r>
-            <a:r>
-              <a:rPr lang="en-US" sz="2400" i="1" dirty="0" smtClean="0"/>
-              <a:t>animal makes sounds like");</a:t>
-            </a:r>
-            <a:endParaRPr lang="en-US" sz="2400" i="1" dirty="0" smtClean="0"/>
-          </a:p>
-          <a:p>
-            <a:pPr>
-              <a:buNone/>
-            </a:pPr>
-            <a:r>
-              <a:rPr lang="en-US" sz="2400" dirty="0" smtClean="0"/>
-              <a:t>}</a:t>
-            </a:r>
-          </a:p>
-          <a:p>
-            <a:pPr>
-              <a:buNone/>
-            </a:pPr>
-            <a:r>
-              <a:rPr lang="en-US" sz="2400" dirty="0" smtClean="0"/>
-              <a:t>@Override</a:t>
-            </a:r>
-          </a:p>
-          <a:p>
-            <a:pPr>
-              <a:buNone/>
-            </a:pPr>
-            <a:r>
-              <a:rPr lang="en-US" sz="2400" dirty="0" smtClean="0"/>
-              <a:t>void action() </a:t>
-            </a:r>
-            <a:r>
-              <a:rPr lang="en-US" sz="2400" dirty="0" smtClean="0"/>
-              <a:t>{</a:t>
-            </a:r>
-          </a:p>
-          <a:p>
-            <a:pPr>
-              <a:buNone/>
-            </a:pPr>
-            <a:r>
-              <a:rPr lang="en-US" sz="2400" dirty="0" err="1" smtClean="0"/>
-              <a:t>super.action</a:t>
-            </a:r>
-            <a:r>
-              <a:rPr lang="en-US" sz="2400" dirty="0" smtClean="0"/>
-              <a:t>();</a:t>
-            </a:r>
-            <a:endParaRPr lang="en-US" sz="2400" dirty="0" smtClean="0"/>
-          </a:p>
-          <a:p>
-            <a:pPr>
-              <a:buNone/>
-            </a:pPr>
-            <a:r>
-              <a:rPr lang="en-US" sz="2400" dirty="0" err="1" smtClean="0"/>
-              <a:t>System.</a:t>
-            </a:r>
-            <a:r>
-              <a:rPr lang="en-US" sz="2400" i="1" dirty="0" err="1" smtClean="0"/>
-              <a:t>out.println</a:t>
-            </a:r>
-            <a:r>
-              <a:rPr lang="en-US" sz="2400" i="1" dirty="0" smtClean="0"/>
-              <a:t>("meows");</a:t>
-            </a:r>
-          </a:p>
-          <a:p>
-            <a:pPr>
-              <a:buNone/>
-            </a:pPr>
-            <a:r>
-              <a:rPr lang="en-US" sz="2400" dirty="0" smtClean="0"/>
-              <a:t>}</a:t>
-            </a:r>
-            <a:endParaRPr lang="en-US" sz="2400" dirty="0"/>
+              <a:t>("Hello");}  </a:t>
+            </a:r>
+          </a:p>
+          <a:p>
+            <a:r>
+              <a:rPr lang="en-US" dirty="0" smtClean="0"/>
+              <a:t>  </a:t>
+            </a:r>
+          </a:p>
+          <a:p>
+            <a:r>
+              <a:rPr lang="en-US" dirty="0" smtClean="0"/>
+              <a:t>public static void main(String </a:t>
+            </a:r>
+            <a:r>
+              <a:rPr lang="en-US" dirty="0" err="1" smtClean="0"/>
+              <a:t>args</a:t>
+            </a:r>
+            <a:r>
+              <a:rPr lang="en-US" dirty="0" smtClean="0"/>
+              <a:t>[]){  </a:t>
+            </a:r>
+          </a:p>
+          <a:p>
+            <a:r>
+              <a:rPr lang="en-US" dirty="0" smtClean="0"/>
+              <a:t>A6 </a:t>
+            </a:r>
+            <a:r>
+              <a:rPr lang="en-US" dirty="0" err="1" smtClean="0"/>
+              <a:t>obj</a:t>
+            </a:r>
+            <a:r>
+              <a:rPr lang="en-US" dirty="0" smtClean="0"/>
+              <a:t> = new A6();  </a:t>
+            </a:r>
+          </a:p>
+          <a:p>
+            <a:r>
+              <a:rPr lang="en-US" dirty="0" err="1" smtClean="0"/>
+              <a:t>obj.print</a:t>
+            </a:r>
+            <a:r>
+              <a:rPr lang="en-US" dirty="0" smtClean="0"/>
+              <a:t>();  </a:t>
+            </a:r>
+          </a:p>
+          <a:p>
+            <a:r>
+              <a:rPr lang="en-US" dirty="0" smtClean="0"/>
+              <a:t> }  </a:t>
+            </a:r>
+          </a:p>
+          <a:p>
+            <a:r>
+              <a:rPr lang="en-US" dirty="0" smtClean="0"/>
+              <a:t>}  </a:t>
+            </a:r>
+          </a:p>
+          <a:p>
+            <a:endParaRPr lang="en-US" dirty="0"/>
           </a:p>
         </p:txBody>
       </p:sp>
@@ -5491,4 +5767,287 @@
   <a:objectDefaults/>
   <a:extraClrSchemeLst/>
 </a:theme>
+</file>
+
+<file path=ppt/theme/theme2.xml><?xml version="1.0" encoding="utf-8"?>
+<a:theme xmlns:a="http://schemas.openxmlformats.org/drawingml/2006/main" name="Office Theme">
+  <a:themeElements>
+    <a:clrScheme name="Office">
+      <a:dk1>
+        <a:sysClr val="windowText" lastClr="000000"/>
+      </a:dk1>
+      <a:lt1>
+        <a:sysClr val="window" lastClr="FFFFFF"/>
+      </a:lt1>
+      <a:dk2>
+        <a:srgbClr val="1F497D"/>
+      </a:dk2>
+      <a:lt2>
+        <a:srgbClr val="EEECE1"/>
+      </a:lt2>
+      <a:accent1>
+        <a:srgbClr val="4F81BD"/>
+      </a:accent1>
+      <a:accent2>
+        <a:srgbClr val="C0504D"/>
+      </a:accent2>
+      <a:accent3>
+        <a:srgbClr val="9BBB59"/>
+      </a:accent3>
+      <a:accent4>
+        <a:srgbClr val="8064A2"/>
+      </a:accent4>
+      <a:accent5>
+        <a:srgbClr val="4BACC6"/>
+      </a:accent5>
+      <a:accent6>
+        <a:srgbClr val="F79646"/>
+      </a:accent6>
+      <a:hlink>
+        <a:srgbClr val="0000FF"/>
+      </a:hlink>
+      <a:folHlink>
+        <a:srgbClr val="800080"/>
+      </a:folHlink>
+    </a:clrScheme>
+    <a:fontScheme name="Office">
+      <a:majorFont>
+        <a:latin typeface="Calibri"/>
+        <a:ea typeface=""/>
+        <a:cs typeface=""/>
+        <a:font script="Jpan" typeface="ＭＳ Ｐゴシック"/>
+        <a:font script="Hang" typeface="맑은 고딕"/>
+        <a:font script="Hans" typeface="宋体"/>
+        <a:font script="Hant" typeface="新細明體"/>
+        <a:font script="Arab" typeface="Times New Roman"/>
+        <a:font script="Hebr" typeface="Times New Roman"/>
+        <a:font script="Thai" typeface="Angsana New"/>
+        <a:font script="Ethi" typeface="Nyala"/>
+        <a:font script="Beng" typeface="Vrinda"/>
+        <a:font script="Gujr" typeface="Shruti"/>
+        <a:font script="Khmr" typeface="MoolBoran"/>
+        <a:font script="Knda" typeface="Tunga"/>
+        <a:font script="Guru" typeface="Raavi"/>
+        <a:font script="Cans" typeface="Euphemia"/>
+        <a:font script="Cher" typeface="Plantagenet Cherokee"/>
+        <a:font script="Yiii" typeface="Microsoft Yi Baiti"/>
+        <a:font script="Tibt" typeface="Microsoft Himalaya"/>
+        <a:font script="Thaa" typeface="MV Boli"/>
+        <a:font script="Deva" typeface="Mangal"/>
+        <a:font script="Telu" typeface="Gautami"/>
+        <a:font script="Taml" typeface="Latha"/>
+        <a:font script="Syrc" typeface="Estrangelo Edessa"/>
+        <a:font script="Orya" typeface="Kalinga"/>
+        <a:font script="Mlym" typeface="Kartika"/>
+        <a:font script="Laoo" typeface="DokChampa"/>
+        <a:font script="Sinh" typeface="Iskoola Pota"/>
+        <a:font script="Mong" typeface="Mongolian Baiti"/>
+        <a:font script="Viet" typeface="Times New Roman"/>
+        <a:font script="Uigh" typeface="Microsoft Uighur"/>
+      </a:majorFont>
+      <a:minorFont>
+        <a:latin typeface="Calibri"/>
+        <a:ea typeface=""/>
+        <a:cs typeface=""/>
+        <a:font script="Jpan" typeface="ＭＳ Ｐゴシック"/>
+        <a:font script="Hang" typeface="맑은 고딕"/>
+        <a:font script="Hans" typeface="宋体"/>
+        <a:font script="Hant" typeface="新細明體"/>
+        <a:font script="Arab" typeface="Arial"/>
+        <a:font script="Hebr" typeface="Arial"/>
+        <a:font script="Thai" typeface="Cordia New"/>
+        <a:font script="Ethi" typeface="Nyala"/>
+        <a:font script="Beng" typeface="Vrinda"/>
+        <a:font script="Gujr" typeface="Shruti"/>
+        <a:font script="Khmr" typeface="DaunPenh"/>
+        <a:font script="Knda" typeface="Tunga"/>
+        <a:font script="Guru" typeface="Raavi"/>
+        <a:font script="Cans" typeface="Euphemia"/>
+        <a:font script="Cher" typeface="Plantagenet Cherokee"/>
+        <a:font script="Yiii" typeface="Microsoft Yi Baiti"/>
+        <a:font script="Tibt" typeface="Microsoft Himalaya"/>
+        <a:font script="Thaa" typeface="MV Boli"/>
+        <a:font script="Deva" typeface="Mangal"/>
+        <a:font script="Telu" typeface="Gautami"/>
+        <a:font script="Taml" typeface="Latha"/>
+        <a:font script="Syrc" typeface="Estrangelo Edessa"/>
+        <a:font script="Orya" typeface="Kalinga"/>
+        <a:font script="Mlym" typeface="Kartika"/>
+        <a:font script="Laoo" typeface="DokChampa"/>
+        <a:font script="Sinh" typeface="Iskoola Pota"/>
+        <a:font script="Mong" typeface="Mongolian Baiti"/>
+        <a:font script="Viet" typeface="Arial"/>
+        <a:font script="Uigh" typeface="Microsoft Uighur"/>
+      </a:minorFont>
+    </a:fontScheme>
+    <a:fmtScheme name="Office">
+      <a:fillStyleLst>
+        <a:solidFill>
+          <a:schemeClr val="phClr"/>
+        </a:solidFill>
+        <a:gradFill rotWithShape="1">
+          <a:gsLst>
+            <a:gs pos="0">
+              <a:schemeClr val="phClr">
+                <a:tint val="50000"/>
+                <a:satMod val="300000"/>
+              </a:schemeClr>
+            </a:gs>
+            <a:gs pos="35000">
+              <a:schemeClr val="phClr">
+                <a:tint val="37000"/>
+                <a:satMod val="300000"/>
+              </a:schemeClr>
+            </a:gs>
+            <a:gs pos="100000">
+              <a:schemeClr val="phClr">
+                <a:tint val="15000"/>
+                <a:satMod val="350000"/>
+              </a:schemeClr>
+            </a:gs>
+          </a:gsLst>
+          <a:lin ang="16200000" scaled="1"/>
+        </a:gradFill>
+        <a:gradFill rotWithShape="1">
+          <a:gsLst>
+            <a:gs pos="0">
+              <a:schemeClr val="phClr">
+                <a:shade val="51000"/>
+                <a:satMod val="130000"/>
+              </a:schemeClr>
+            </a:gs>
+            <a:gs pos="80000">
+              <a:schemeClr val="phClr">
+                <a:shade val="93000"/>
+                <a:satMod val="130000"/>
+              </a:schemeClr>
+            </a:gs>
+            <a:gs pos="100000">
+              <a:schemeClr val="phClr">
+                <a:shade val="94000"/>
+                <a:satMod val="135000"/>
+              </a:schemeClr>
+            </a:gs>
+          </a:gsLst>
+          <a:lin ang="16200000" scaled="0"/>
+        </a:gradFill>
+      </a:fillStyleLst>
+      <a:lnStyleLst>
+        <a:ln w="9525" cap="flat" cmpd="sng" algn="ctr">
+          <a:solidFill>
+            <a:schemeClr val="phClr">
+              <a:shade val="95000"/>
+              <a:satMod val="105000"/>
+            </a:schemeClr>
+          </a:solidFill>
+          <a:prstDash val="solid"/>
+        </a:ln>
+        <a:ln w="25400" cap="flat" cmpd="sng" algn="ctr">
+          <a:solidFill>
+            <a:schemeClr val="phClr"/>
+          </a:solidFill>
+          <a:prstDash val="solid"/>
+        </a:ln>
+        <a:ln w="38100" cap="flat" cmpd="sng" algn="ctr">
+          <a:solidFill>
+            <a:schemeClr val="phClr"/>
+          </a:solidFill>
+          <a:prstDash val="solid"/>
+        </a:ln>
+      </a:lnStyleLst>
+      <a:effectStyleLst>
+        <a:effectStyle>
+          <a:effectLst>
+            <a:outerShdw blurRad="40000" dist="20000" dir="5400000" rotWithShape="0">
+              <a:srgbClr val="000000">
+                <a:alpha val="38000"/>
+              </a:srgbClr>
+            </a:outerShdw>
+          </a:effectLst>
+        </a:effectStyle>
+        <a:effectStyle>
+          <a:effectLst>
+            <a:outerShdw blurRad="40000" dist="23000" dir="5400000" rotWithShape="0">
+              <a:srgbClr val="000000">
+                <a:alpha val="35000"/>
+              </a:srgbClr>
+            </a:outerShdw>
+          </a:effectLst>
+        </a:effectStyle>
+        <a:effectStyle>
+          <a:effectLst>
+            <a:outerShdw blurRad="40000" dist="23000" dir="5400000" rotWithShape="0">
+              <a:srgbClr val="000000">
+                <a:alpha val="35000"/>
+              </a:srgbClr>
+            </a:outerShdw>
+          </a:effectLst>
+          <a:scene3d>
+            <a:camera prst="orthographicFront">
+              <a:rot lat="0" lon="0" rev="0"/>
+            </a:camera>
+            <a:lightRig rig="threePt" dir="t">
+              <a:rot lat="0" lon="0" rev="1200000"/>
+            </a:lightRig>
+          </a:scene3d>
+          <a:sp3d>
+            <a:bevelT w="63500" h="25400"/>
+          </a:sp3d>
+        </a:effectStyle>
+      </a:effectStyleLst>
+      <a:bgFillStyleLst>
+        <a:solidFill>
+          <a:schemeClr val="phClr"/>
+        </a:solidFill>
+        <a:gradFill rotWithShape="1">
+          <a:gsLst>
+            <a:gs pos="0">
+              <a:schemeClr val="phClr">
+                <a:tint val="40000"/>
+                <a:satMod val="350000"/>
+              </a:schemeClr>
+            </a:gs>
+            <a:gs pos="40000">
+              <a:schemeClr val="phClr">
+                <a:tint val="45000"/>
+                <a:shade val="99000"/>
+                <a:satMod val="350000"/>
+              </a:schemeClr>
+            </a:gs>
+            <a:gs pos="100000">
+              <a:schemeClr val="phClr">
+                <a:shade val="20000"/>
+                <a:satMod val="255000"/>
+              </a:schemeClr>
+            </a:gs>
+          </a:gsLst>
+          <a:path path="circle">
+            <a:fillToRect l="50000" t="-80000" r="50000" b="180000"/>
+          </a:path>
+        </a:gradFill>
+        <a:gradFill rotWithShape="1">
+          <a:gsLst>
+            <a:gs pos="0">
+              <a:schemeClr val="phClr">
+                <a:tint val="80000"/>
+                <a:satMod val="300000"/>
+              </a:schemeClr>
+            </a:gs>
+            <a:gs pos="100000">
+              <a:schemeClr val="phClr">
+                <a:shade val="30000"/>
+                <a:satMod val="200000"/>
+              </a:schemeClr>
+            </a:gs>
+          </a:gsLst>
+          <a:path path="circle">
+            <a:fillToRect l="50000" t="50000" r="50000" b="50000"/>
+          </a:path>
+        </a:gradFill>
+      </a:bgFillStyleLst>
+    </a:fmtScheme>
+  </a:themeElements>
+  <a:objectDefaults/>
+  <a:extraClrSchemeLst/>
+</a:theme>
 </file>